--- a/PathogenDataCourse/SlideSets/ConceptsInComputerProgramming.pptx
+++ b/PathogenDataCourse/SlideSets/ConceptsInComputerProgramming.pptx
@@ -1732,7 +1732,7 @@
           <a:p>
             <a:fld id="{C4181D7C-81F1-BA48-B0CF-02C398C91972}" type="datetimeFigureOut">
               <a:rPr lang="en-US" smtClean="0"/>
-              <a:t>7/4/23</a:t>
+              <a:t>7/10/23</a:t>
             </a:fld>
             <a:endParaRPr lang="en-US"/>
           </a:p>
@@ -5290,7 +5290,7 @@
             <a:fld id="{197342E9-89D0-D246-B0E5-635614E13D75}" type="datetime1">
               <a:rPr lang="en-GB" smtClean="0"/>
               <a:pPr/>
-              <a:t>04/07/2023</a:t>
+              <a:t>10/07/2023</a:t>
             </a:fld>
             <a:endParaRPr lang="en-US" dirty="0"/>
           </a:p>
@@ -9908,7 +9908,7 @@
             <a:fld id="{197342E9-89D0-D246-B0E5-635614E13D75}" type="datetime1">
               <a:rPr lang="en-GB" smtClean="0"/>
               <a:pPr/>
-              <a:t>04/07/2023</a:t>
+              <a:t>10/07/2023</a:t>
             </a:fld>
             <a:endParaRPr lang="en-US" dirty="0"/>
           </a:p>
@@ -12991,7 +12991,7 @@
             <a:fld id="{197342E9-89D0-D246-B0E5-635614E13D75}" type="datetime1">
               <a:rPr lang="en-GB" smtClean="0"/>
               <a:pPr/>
-              <a:t>04/07/2023</a:t>
+              <a:t>10/07/2023</a:t>
             </a:fld>
             <a:endParaRPr lang="en-US" dirty="0"/>
           </a:p>
@@ -18724,7 +18724,7 @@
         </p:nvSpPr>
         <p:spPr>
           <a:xfrm>
-            <a:off x="442912" y="3086371"/>
+            <a:off x="442912" y="3429000"/>
             <a:ext cx="11306175" cy="685258"/>
           </a:xfrm>
         </p:spPr>
@@ -18738,6 +18738,13 @@
             <a:r>
               <a:rPr lang="en-GB" sz="4400" dirty="0"/>
               <a:t>Break</a:t>
+            </a:r>
+            <a:br>
+              <a:rPr lang="en-GB" sz="4400" dirty="0"/>
+            </a:br>
+            <a:r>
+              <a:rPr lang="en-GB" sz="4400" dirty="0"/>
+              <a:t>(Download Notepad++ or BBEdit)</a:t>
             </a:r>
             <a:endParaRPr lang="en-US" sz="4400" dirty="0"/>
           </a:p>
@@ -18861,7 +18868,15 @@
           <a:p>
             <a:r>
               <a:rPr lang="en-CA" dirty="0"/>
-              <a:t>Writing the steps of an algorithm without using the syntax of a specific programing language</a:t>
+              <a:t>Writing the steps of an algorithm without using the syntax of a </a:t>
+            </a:r>
+            <a:r>
+              <a:rPr lang="en-CA"/>
+              <a:t>specific programming </a:t>
+            </a:r>
+            <a:r>
+              <a:rPr lang="en-CA" dirty="0"/>
+              <a:t>language</a:t>
             </a:r>
           </a:p>
           <a:p>
@@ -19032,7 +19047,7 @@
           <a:p>
             <a:r>
               <a:rPr lang="en-CA" dirty="0"/>
-              <a:t>Get modulus of variable and store in a variable</a:t>
+              <a:t>Get modulus 4 of variable and store in another variable</a:t>
             </a:r>
           </a:p>
           <a:p>
@@ -20466,7 +20481,7 @@
           <p:nvPr>
             <p:extLst>
               <p:ext uri="{D42A27DB-BD31-4B8C-83A1-F6EECF244321}">
-                <p14:modId xmlns:p14="http://schemas.microsoft.com/office/powerpoint/2010/main" val="1248280034"/>
+                <p14:modId xmlns:p14="http://schemas.microsoft.com/office/powerpoint/2010/main" val="1728579094"/>
               </p:ext>
             </p:extLst>
           </p:nvPr>
@@ -20851,7 +20866,7 @@
                     <a:p>
                       <a:r>
                         <a:rPr lang="en-GB" dirty="0"/>
-                        <a:t>^[0-9]</a:t>
+                        <a:t>[^0-9]</a:t>
                       </a:r>
                     </a:p>
                   </a:txBody>
@@ -20897,7 +20912,7 @@
                     <a:p>
                       <a:r>
                         <a:rPr lang="en-GB" dirty="0"/>
-                        <a:t>^[A-Za-z0-9]</a:t>
+                        <a:t>[^A-Za-z0-9]</a:t>
                       </a:r>
                     </a:p>
                   </a:txBody>
@@ -20960,7 +20975,7 @@
                       </a:pPr>
                       <a:r>
                         <a:rPr lang="en-GB" dirty="0"/>
-                        <a:t>^[ \t\n\r\f]</a:t>
+                        <a:t>[^ \t\n\r\f]</a:t>
                       </a:r>
                     </a:p>
                   </a:txBody>
@@ -26093,7 +26108,7 @@
           <p:nvPr>
             <p:extLst>
               <p:ext uri="{D42A27DB-BD31-4B8C-83A1-F6EECF244321}">
-                <p14:modId xmlns:p14="http://schemas.microsoft.com/office/powerpoint/2010/main" val="3242087296"/>
+                <p14:modId xmlns:p14="http://schemas.microsoft.com/office/powerpoint/2010/main" val="1250115456"/>
               </p:ext>
             </p:extLst>
           </p:nvPr>
@@ -26449,7 +26464,7 @@
                         <a:rPr lang="en-GB" dirty="0">
                           <a:effectLst/>
                         </a:rPr>
-                        <a:t>Hi, $^123, ;4fgt</a:t>
+                        <a:t>“Hi”, “$^123”, “;4fghju.”</a:t>
                       </a:r>
                     </a:p>
                   </a:txBody>
@@ -30199,21 +30214,6 @@
 </file>
 
 <file path=customXml/item1.xml><?xml version="1.0" encoding="utf-8"?>
-<p:properties xmlns:p="http://schemas.microsoft.com/office/2006/metadata/properties" xmlns:xsi="http://www.w3.org/2001/XMLSchema-instance" xmlns:pc="http://schemas.microsoft.com/office/infopath/2007/PartnerControls">
-  <documentManagement/>
-</p:properties>
-</file>
-
-<file path=customXml/item2.xml><?xml version="1.0" encoding="utf-8"?>
-<?mso-contentType ?>
-<FormTemplates xmlns="http://schemas.microsoft.com/sharepoint/v3/contenttype/forms">
-  <Display>DocumentLibraryForm</Display>
-  <Edit>DocumentLibraryForm</Edit>
-  <New>DocumentLibraryForm</New>
-</FormTemplates>
-</file>
-
-<file path=customXml/item3.xml><?xml version="1.0" encoding="utf-8"?>
 <ct:contentTypeSchema xmlns:ct="http://schemas.microsoft.com/office/2006/metadata/contentType" xmlns:ma="http://schemas.microsoft.com/office/2006/metadata/properties/metaAttributes" ct:_="" ma:_="" ma:contentTypeName="Document" ma:contentTypeID="0x010100E248A64365211844BF30BC3ADD420261" ma:contentTypeVersion="11" ma:contentTypeDescription="Create a new document." ma:contentTypeScope="" ma:versionID="bf0b94b058452ed3cec91f89e664909d">
   <xsd:schema xmlns:xsd="http://www.w3.org/2001/XMLSchema" xmlns:xs="http://www.w3.org/2001/XMLSchema" xmlns:p="http://schemas.microsoft.com/office/2006/metadata/properties" xmlns:ns2="8dbe2aa3-3237-4830-85c4-3d48417ef302" xmlns:ns3="b317b901-4ab4-4161-80c3-da5df50c25bf" targetNamespace="http://schemas.microsoft.com/office/2006/metadata/properties" ma:root="true" ma:fieldsID="d988d784501c0b668dd73c0ebdbd98a4" ns2:_="" ns3:_="">
     <xsd:import namespace="8dbe2aa3-3237-4830-85c4-3d48417ef302"/>
@@ -30424,7 +30424,41 @@
 </ct:contentTypeSchema>
 </file>
 
+<file path=customXml/item2.xml><?xml version="1.0" encoding="utf-8"?>
+<p:properties xmlns:p="http://schemas.microsoft.com/office/2006/metadata/properties" xmlns:xsi="http://www.w3.org/2001/XMLSchema-instance" xmlns:pc="http://schemas.microsoft.com/office/infopath/2007/PartnerControls">
+  <documentManagement/>
+</p:properties>
+</file>
+
+<file path=customXml/item3.xml><?xml version="1.0" encoding="utf-8"?>
+<?mso-contentType ?>
+<FormTemplates xmlns="http://schemas.microsoft.com/sharepoint/v3/contenttype/forms">
+  <Display>DocumentLibraryForm</Display>
+  <Edit>DocumentLibraryForm</Edit>
+  <New>DocumentLibraryForm</New>
+</FormTemplates>
+</file>
+
 <file path=customXml/itemProps1.xml><?xml version="1.0" encoding="utf-8"?>
+<ds:datastoreItem xmlns:ds="http://schemas.openxmlformats.org/officeDocument/2006/customXml" ds:itemID="{72E4F038-6994-4608-A1EA-AF583DA06B5C}">
+  <ds:schemaRefs>
+    <ds:schemaRef ds:uri="http://schemas.microsoft.com/office/2006/metadata/contentType"/>
+    <ds:schemaRef ds:uri="http://schemas.microsoft.com/office/2006/metadata/properties/metaAttributes"/>
+    <ds:schemaRef ds:uri="http://www.w3.org/2001/XMLSchema"/>
+    <ds:schemaRef ds:uri="http://schemas.microsoft.com/office/2006/metadata/properties"/>
+    <ds:schemaRef ds:uri="8dbe2aa3-3237-4830-85c4-3d48417ef302"/>
+    <ds:schemaRef ds:uri="b317b901-4ab4-4161-80c3-da5df50c25bf"/>
+    <ds:schemaRef ds:uri="http://schemas.microsoft.com/office/2006/documentManagement/types"/>
+    <ds:schemaRef ds:uri="http://schemas.microsoft.com/office/infopath/2007/PartnerControls"/>
+    <ds:schemaRef ds:uri="http://schemas.openxmlformats.org/package/2006/metadata/core-properties"/>
+    <ds:schemaRef ds:uri="http://purl.org/dc/elements/1.1/"/>
+    <ds:schemaRef ds:uri="http://purl.org/dc/terms/"/>
+    <ds:schemaRef ds:uri="http://schemas.microsoft.com/internal/obd"/>
+  </ds:schemaRefs>
+</ds:datastoreItem>
+</file>
+
+<file path=customXml/itemProps2.xml><?xml version="1.0" encoding="utf-8"?>
 <ds:datastoreItem xmlns:ds="http://schemas.openxmlformats.org/officeDocument/2006/customXml" ds:itemID="{71F1859A-D475-4A9D-83E1-80A36DBA260F}">
   <ds:schemaRefs>
     <ds:schemaRef ds:uri="http://schemas.microsoft.com/office/2006/documentManagement/types"/>
@@ -30441,29 +30475,10 @@
 </ds:datastoreItem>
 </file>
 
-<file path=customXml/itemProps2.xml><?xml version="1.0" encoding="utf-8"?>
+<file path=customXml/itemProps3.xml><?xml version="1.0" encoding="utf-8"?>
 <ds:datastoreItem xmlns:ds="http://schemas.openxmlformats.org/officeDocument/2006/customXml" ds:itemID="{B1063616-57F3-4C87-BB7F-2974CF36DE76}">
   <ds:schemaRefs>
     <ds:schemaRef ds:uri="http://schemas.microsoft.com/sharepoint/v3/contenttype/forms"/>
   </ds:schemaRefs>
 </ds:datastoreItem>
-</file>
-
-<file path=customXml/itemProps3.xml><?xml version="1.0" encoding="utf-8"?>
-<ds:datastoreItem xmlns:ds="http://schemas.openxmlformats.org/officeDocument/2006/customXml" ds:itemID="{72E4F038-6994-4608-A1EA-AF583DA06B5C}">
-  <ds:schemaRefs>
-    <ds:schemaRef ds:uri="http://schemas.microsoft.com/office/2006/metadata/contentType"/>
-    <ds:schemaRef ds:uri="http://schemas.microsoft.com/office/2006/metadata/properties/metaAttributes"/>
-    <ds:schemaRef ds:uri="http://www.w3.org/2001/XMLSchema"/>
-    <ds:schemaRef ds:uri="http://schemas.microsoft.com/office/2006/metadata/properties"/>
-    <ds:schemaRef ds:uri="8dbe2aa3-3237-4830-85c4-3d48417ef302"/>
-    <ds:schemaRef ds:uri="b317b901-4ab4-4161-80c3-da5df50c25bf"/>
-    <ds:schemaRef ds:uri="http://schemas.microsoft.com/office/2006/documentManagement/types"/>
-    <ds:schemaRef ds:uri="http://schemas.microsoft.com/office/infopath/2007/PartnerControls"/>
-    <ds:schemaRef ds:uri="http://schemas.openxmlformats.org/package/2006/metadata/core-properties"/>
-    <ds:schemaRef ds:uri="http://purl.org/dc/elements/1.1/"/>
-    <ds:schemaRef ds:uri="http://purl.org/dc/terms/"/>
-    <ds:schemaRef ds:uri="http://schemas.microsoft.com/internal/obd"/>
-  </ds:schemaRefs>
-</ds:datastoreItem>
 </file>